--- a/policies.pptx
+++ b/policies.pptx
@@ -108,7 +108,16 @@
       </a:defRPr>
     </a:lvl9pPr>
   </p:defaultTextStyle>
+  <p:extLst>
+    <p:ext uri="{EFAFB233-063F-42B5-8137-9DF3F51BA10A}">
+      <p15:sldGuideLst xmlns:p15="http://schemas.microsoft.com/office/powerpoint/2012/main"/>
+    </p:ext>
+  </p:extLst>
 </p:presentation>
+</file>
+
+<file path=ppt/revisionInfo.xml><?xml version="1.0" encoding="utf-8"?>
+<p1510:revInfo xmlns:a="http://schemas.openxmlformats.org/drawingml/2006/main" xmlns:r="http://schemas.openxmlformats.org/officeDocument/2006/relationships" xmlns:p1510="http://schemas.microsoft.com/office/powerpoint/2015/10/main"/>
 </file>
 
 <file path=ppt/notesMasters/notesMaster1.xml><?xml version="1.0" encoding="utf-8"?>
@@ -193,7 +202,7 @@
           <a:p>
             <a:fld id="{489D3C74-0287-4286-BC6C-FC5358F8F721}" type="datetimeFigureOut">
               <a:rPr lang="en-US" smtClean="0"/>
-              <a:t>9/26/2017</a:t>
+              <a:t>9/27/2017</a:t>
             </a:fld>
             <a:endParaRPr lang="en-US"/>
           </a:p>
@@ -691,7 +700,7 @@
           <a:p>
             <a:fld id="{A459ECAF-18F7-4EC5-82AF-2492BAF1ACE3}" type="datetimeFigureOut">
               <a:rPr lang="en-US" smtClean="0"/>
-              <a:t>9/26/2017</a:t>
+              <a:t>9/27/2017</a:t>
             </a:fld>
             <a:endParaRPr lang="en-US"/>
           </a:p>
@@ -889,7 +898,7 @@
           <a:p>
             <a:fld id="{A459ECAF-18F7-4EC5-82AF-2492BAF1ACE3}" type="datetimeFigureOut">
               <a:rPr lang="en-US" smtClean="0"/>
-              <a:t>9/26/2017</a:t>
+              <a:t>9/27/2017</a:t>
             </a:fld>
             <a:endParaRPr lang="en-US"/>
           </a:p>
@@ -1097,7 +1106,7 @@
           <a:p>
             <a:fld id="{A459ECAF-18F7-4EC5-82AF-2492BAF1ACE3}" type="datetimeFigureOut">
               <a:rPr lang="en-US" smtClean="0"/>
-              <a:t>9/26/2017</a:t>
+              <a:t>9/27/2017</a:t>
             </a:fld>
             <a:endParaRPr lang="en-US"/>
           </a:p>
@@ -1295,7 +1304,7 @@
           <a:p>
             <a:fld id="{A459ECAF-18F7-4EC5-82AF-2492BAF1ACE3}" type="datetimeFigureOut">
               <a:rPr lang="en-US" smtClean="0"/>
-              <a:t>9/26/2017</a:t>
+              <a:t>9/27/2017</a:t>
             </a:fld>
             <a:endParaRPr lang="en-US"/>
           </a:p>
@@ -1570,7 +1579,7 @@
           <a:p>
             <a:fld id="{A459ECAF-18F7-4EC5-82AF-2492BAF1ACE3}" type="datetimeFigureOut">
               <a:rPr lang="en-US" smtClean="0"/>
-              <a:t>9/26/2017</a:t>
+              <a:t>9/27/2017</a:t>
             </a:fld>
             <a:endParaRPr lang="en-US"/>
           </a:p>
@@ -1835,7 +1844,7 @@
           <a:p>
             <a:fld id="{A459ECAF-18F7-4EC5-82AF-2492BAF1ACE3}" type="datetimeFigureOut">
               <a:rPr lang="en-US" smtClean="0"/>
-              <a:t>9/26/2017</a:t>
+              <a:t>9/27/2017</a:t>
             </a:fld>
             <a:endParaRPr lang="en-US"/>
           </a:p>
@@ -2247,7 +2256,7 @@
           <a:p>
             <a:fld id="{A459ECAF-18F7-4EC5-82AF-2492BAF1ACE3}" type="datetimeFigureOut">
               <a:rPr lang="en-US" smtClean="0"/>
-              <a:t>9/26/2017</a:t>
+              <a:t>9/27/2017</a:t>
             </a:fld>
             <a:endParaRPr lang="en-US"/>
           </a:p>
@@ -2388,7 +2397,7 @@
           <a:p>
             <a:fld id="{A459ECAF-18F7-4EC5-82AF-2492BAF1ACE3}" type="datetimeFigureOut">
               <a:rPr lang="en-US" smtClean="0"/>
-              <a:t>9/26/2017</a:t>
+              <a:t>9/27/2017</a:t>
             </a:fld>
             <a:endParaRPr lang="en-US"/>
           </a:p>
@@ -2501,7 +2510,7 @@
           <a:p>
             <a:fld id="{A459ECAF-18F7-4EC5-82AF-2492BAF1ACE3}" type="datetimeFigureOut">
               <a:rPr lang="en-US" smtClean="0"/>
-              <a:t>9/26/2017</a:t>
+              <a:t>9/27/2017</a:t>
             </a:fld>
             <a:endParaRPr lang="en-US"/>
           </a:p>
@@ -2812,7 +2821,7 @@
           <a:p>
             <a:fld id="{A459ECAF-18F7-4EC5-82AF-2492BAF1ACE3}" type="datetimeFigureOut">
               <a:rPr lang="en-US" smtClean="0"/>
-              <a:t>9/26/2017</a:t>
+              <a:t>9/27/2017</a:t>
             </a:fld>
             <a:endParaRPr lang="en-US"/>
           </a:p>
@@ -3100,7 +3109,7 @@
           <a:p>
             <a:fld id="{A459ECAF-18F7-4EC5-82AF-2492BAF1ACE3}" type="datetimeFigureOut">
               <a:rPr lang="en-US" smtClean="0"/>
-              <a:t>9/26/2017</a:t>
+              <a:t>9/27/2017</a:t>
             </a:fld>
             <a:endParaRPr lang="en-US"/>
           </a:p>
@@ -3341,7 +3350,7 @@
           <a:p>
             <a:fld id="{A459ECAF-18F7-4EC5-82AF-2492BAF1ACE3}" type="datetimeFigureOut">
               <a:rPr lang="en-US" smtClean="0"/>
-              <a:t>9/26/2017</a:t>
+              <a:t>9/27/2017</a:t>
             </a:fld>
             <a:endParaRPr lang="en-US"/>
           </a:p>
@@ -11354,7 +11363,7 @@
         </p:blipFill>
         <p:spPr>
           <a:xfrm>
-            <a:off x="3309689" y="3307463"/>
+            <a:off x="3301300" y="3315852"/>
             <a:ext cx="591751" cy="600717"/>
           </a:xfrm>
           <a:prstGeom prst="rect">
